--- a/04 - Docs/01 - Project Manager/11 - PPTs/5425-GANTT-BrunoJoaoPasseira.pptx
+++ b/04 - Docs/01 - Project Manager/11 - PPTs/5425-GANTT-BrunoJoaoPasseira.pptx
@@ -5,11 +5,16 @@
     <p:sldMasterId id="2147483707" r:id="rId1"/>
   </p:sldMasterIdLst>
   <p:notesMasterIdLst>
-    <p:notesMasterId r:id="rId4"/>
+    <p:notesMasterId r:id="rId9"/>
   </p:notesMasterIdLst>
   <p:sldIdLst>
     <p:sldId id="256" r:id="rId2"/>
     <p:sldId id="257" r:id="rId3"/>
+    <p:sldId id="258" r:id="rId4"/>
+    <p:sldId id="259" r:id="rId5"/>
+    <p:sldId id="260" r:id="rId6"/>
+    <p:sldId id="261" r:id="rId7"/>
+    <p:sldId id="262" r:id="rId8"/>
   </p:sldIdLst>
   <p:sldSz cx="12192000" cy="6858000"/>
   <p:notesSz cx="6858000" cy="9144000"/>
@@ -165,7 +170,7 @@
             </a:lvl1pPr>
           </a:lstStyle>
           <a:p>
-            <a:endParaRPr lang="pt-PT"/>
+            <a:endParaRPr lang="pt-PT" dirty="0"/>
           </a:p>
         </p:txBody>
       </p:sp>
@@ -200,7 +205,7 @@
               <a:rPr lang="pt-PT" smtClean="0"/>
               <a:t>10/09/2018</a:t>
             </a:fld>
-            <a:endParaRPr lang="pt-PT"/>
+            <a:endParaRPr lang="pt-PT" dirty="0"/>
           </a:p>
         </p:txBody>
       </p:sp>
@@ -233,7 +238,7 @@
           <a:bodyPr vert="horz" lIns="91440" tIns="45720" rIns="91440" bIns="45720" rtlCol="0" anchor="ctr"/>
           <a:lstStyle/>
           <a:p>
-            <a:endParaRPr lang="pt-PT"/>
+            <a:endParaRPr lang="pt-PT" dirty="0"/>
           </a:p>
         </p:txBody>
       </p:sp>
@@ -323,7 +328,7 @@
             </a:lvl1pPr>
           </a:lstStyle>
           <a:p>
-            <a:endParaRPr lang="pt-PT"/>
+            <a:endParaRPr lang="pt-PT" dirty="0"/>
           </a:p>
         </p:txBody>
       </p:sp>
@@ -356,9 +361,9 @@
           <a:p>
             <a:fld id="{0466277E-5F40-4A85-8708-2D4643FF7332}" type="slidenum">
               <a:rPr lang="pt-PT" smtClean="0"/>
-              <a:t>‹nº›</a:t>
+              <a:t>‹#›</a:t>
             </a:fld>
-            <a:endParaRPr lang="pt-PT"/>
+            <a:endParaRPr lang="pt-PT" dirty="0"/>
           </a:p>
         </p:txBody>
       </p:sp>
@@ -609,7 +614,7 @@
               <a:rPr lang="pt-PT" smtClean="0"/>
               <a:t>10/09/2018</a:t>
             </a:fld>
-            <a:endParaRPr lang="pt-PT"/>
+            <a:endParaRPr lang="pt-PT" dirty="0"/>
           </a:p>
         </p:txBody>
       </p:sp>
@@ -628,7 +633,7 @@
           <a:bodyPr/>
           <a:lstStyle/>
           <a:p>
-            <a:endParaRPr lang="pt-PT"/>
+            <a:endParaRPr lang="pt-PT" dirty="0"/>
           </a:p>
         </p:txBody>
       </p:sp>
@@ -649,9 +654,9 @@
           <a:p>
             <a:fld id="{0A841FAE-D82D-4024-9798-6BF498F22684}" type="slidenum">
               <a:rPr lang="pt-PT" smtClean="0"/>
-              <a:t>‹nº›</a:t>
+              <a:t>‹#›</a:t>
             </a:fld>
-            <a:endParaRPr lang="pt-PT"/>
+            <a:endParaRPr lang="pt-PT" dirty="0"/>
           </a:p>
         </p:txBody>
       </p:sp>
@@ -779,7 +784,7 @@
               <a:rPr lang="pt-PT" smtClean="0"/>
               <a:t>10/09/2018</a:t>
             </a:fld>
-            <a:endParaRPr lang="pt-PT"/>
+            <a:endParaRPr lang="pt-PT" dirty="0"/>
           </a:p>
         </p:txBody>
       </p:sp>
@@ -798,7 +803,7 @@
           <a:bodyPr/>
           <a:lstStyle/>
           <a:p>
-            <a:endParaRPr lang="pt-PT"/>
+            <a:endParaRPr lang="pt-PT" dirty="0"/>
           </a:p>
         </p:txBody>
       </p:sp>
@@ -819,9 +824,9 @@
           <a:p>
             <a:fld id="{0A841FAE-D82D-4024-9798-6BF498F22684}" type="slidenum">
               <a:rPr lang="pt-PT" smtClean="0"/>
-              <a:t>‹nº›</a:t>
+              <a:t>‹#›</a:t>
             </a:fld>
-            <a:endParaRPr lang="pt-PT"/>
+            <a:endParaRPr lang="pt-PT" dirty="0"/>
           </a:p>
         </p:txBody>
       </p:sp>
@@ -959,7 +964,7 @@
               <a:rPr lang="pt-PT" smtClean="0"/>
               <a:t>10/09/2018</a:t>
             </a:fld>
-            <a:endParaRPr lang="pt-PT"/>
+            <a:endParaRPr lang="pt-PT" dirty="0"/>
           </a:p>
         </p:txBody>
       </p:sp>
@@ -978,7 +983,7 @@
           <a:bodyPr/>
           <a:lstStyle/>
           <a:p>
-            <a:endParaRPr lang="pt-PT"/>
+            <a:endParaRPr lang="pt-PT" dirty="0"/>
           </a:p>
         </p:txBody>
       </p:sp>
@@ -999,9 +1004,9 @@
           <a:p>
             <a:fld id="{0A841FAE-D82D-4024-9798-6BF498F22684}" type="slidenum">
               <a:rPr lang="pt-PT" smtClean="0"/>
-              <a:t>‹nº›</a:t>
+              <a:t>‹#›</a:t>
             </a:fld>
-            <a:endParaRPr lang="pt-PT"/>
+            <a:endParaRPr lang="pt-PT" dirty="0"/>
           </a:p>
         </p:txBody>
       </p:sp>
@@ -1129,7 +1134,7 @@
               <a:rPr lang="pt-PT" smtClean="0"/>
               <a:t>10/09/2018</a:t>
             </a:fld>
-            <a:endParaRPr lang="pt-PT"/>
+            <a:endParaRPr lang="pt-PT" dirty="0"/>
           </a:p>
         </p:txBody>
       </p:sp>
@@ -1148,7 +1153,7 @@
           <a:bodyPr/>
           <a:lstStyle/>
           <a:p>
-            <a:endParaRPr lang="pt-PT"/>
+            <a:endParaRPr lang="pt-PT" dirty="0"/>
           </a:p>
         </p:txBody>
       </p:sp>
@@ -1169,9 +1174,9 @@
           <a:p>
             <a:fld id="{0A841FAE-D82D-4024-9798-6BF498F22684}" type="slidenum">
               <a:rPr lang="pt-PT" smtClean="0"/>
-              <a:t>‹nº›</a:t>
+              <a:t>‹#›</a:t>
             </a:fld>
-            <a:endParaRPr lang="pt-PT"/>
+            <a:endParaRPr lang="pt-PT" dirty="0"/>
           </a:p>
         </p:txBody>
       </p:sp>
@@ -1380,7 +1385,7 @@
               <a:rPr lang="pt-PT" smtClean="0"/>
               <a:t>10/09/2018</a:t>
             </a:fld>
-            <a:endParaRPr lang="pt-PT"/>
+            <a:endParaRPr lang="pt-PT" dirty="0"/>
           </a:p>
         </p:txBody>
       </p:sp>
@@ -1399,7 +1404,7 @@
           <a:bodyPr/>
           <a:lstStyle/>
           <a:p>
-            <a:endParaRPr lang="pt-PT"/>
+            <a:endParaRPr lang="pt-PT" dirty="0"/>
           </a:p>
         </p:txBody>
       </p:sp>
@@ -1420,9 +1425,9 @@
           <a:p>
             <a:fld id="{0A841FAE-D82D-4024-9798-6BF498F22684}" type="slidenum">
               <a:rPr lang="pt-PT" smtClean="0"/>
-              <a:t>‹nº›</a:t>
+              <a:t>‹#›</a:t>
             </a:fld>
-            <a:endParaRPr lang="pt-PT"/>
+            <a:endParaRPr lang="pt-PT" dirty="0"/>
           </a:p>
         </p:txBody>
       </p:sp>
@@ -1612,7 +1617,7 @@
               <a:rPr lang="pt-PT" smtClean="0"/>
               <a:t>10/09/2018</a:t>
             </a:fld>
-            <a:endParaRPr lang="pt-PT"/>
+            <a:endParaRPr lang="pt-PT" dirty="0"/>
           </a:p>
         </p:txBody>
       </p:sp>
@@ -1631,7 +1636,7 @@
           <a:bodyPr/>
           <a:lstStyle/>
           <a:p>
-            <a:endParaRPr lang="pt-PT"/>
+            <a:endParaRPr lang="pt-PT" dirty="0"/>
           </a:p>
         </p:txBody>
       </p:sp>
@@ -1652,9 +1657,9 @@
           <a:p>
             <a:fld id="{0A841FAE-D82D-4024-9798-6BF498F22684}" type="slidenum">
               <a:rPr lang="pt-PT" smtClean="0"/>
-              <a:t>‹nº›</a:t>
+              <a:t>‹#›</a:t>
             </a:fld>
-            <a:endParaRPr lang="pt-PT"/>
+            <a:endParaRPr lang="pt-PT" dirty="0"/>
           </a:p>
         </p:txBody>
       </p:sp>
@@ -1959,7 +1964,7 @@
               <a:rPr lang="pt-PT" smtClean="0"/>
               <a:t>10/09/2018</a:t>
             </a:fld>
-            <a:endParaRPr lang="pt-PT"/>
+            <a:endParaRPr lang="pt-PT" dirty="0"/>
           </a:p>
         </p:txBody>
       </p:sp>
@@ -1978,7 +1983,7 @@
           <a:bodyPr/>
           <a:lstStyle/>
           <a:p>
-            <a:endParaRPr lang="pt-PT"/>
+            <a:endParaRPr lang="pt-PT" dirty="0"/>
           </a:p>
         </p:txBody>
       </p:sp>
@@ -1999,9 +2004,9 @@
           <a:p>
             <a:fld id="{0A841FAE-D82D-4024-9798-6BF498F22684}" type="slidenum">
               <a:rPr lang="pt-PT" smtClean="0"/>
-              <a:t>‹nº›</a:t>
+              <a:t>‹#›</a:t>
             </a:fld>
-            <a:endParaRPr lang="pt-PT"/>
+            <a:endParaRPr lang="pt-PT" dirty="0"/>
           </a:p>
         </p:txBody>
       </p:sp>
@@ -2077,7 +2082,7 @@
               <a:rPr lang="pt-PT" smtClean="0"/>
               <a:t>10/09/2018</a:t>
             </a:fld>
-            <a:endParaRPr lang="pt-PT"/>
+            <a:endParaRPr lang="pt-PT" dirty="0"/>
           </a:p>
         </p:txBody>
       </p:sp>
@@ -2096,7 +2101,7 @@
           <a:bodyPr/>
           <a:lstStyle/>
           <a:p>
-            <a:endParaRPr lang="pt-PT"/>
+            <a:endParaRPr lang="pt-PT" dirty="0"/>
           </a:p>
         </p:txBody>
       </p:sp>
@@ -2117,9 +2122,9 @@
           <a:p>
             <a:fld id="{0A841FAE-D82D-4024-9798-6BF498F22684}" type="slidenum">
               <a:rPr lang="pt-PT" smtClean="0"/>
-              <a:t>‹nº›</a:t>
+              <a:t>‹#›</a:t>
             </a:fld>
-            <a:endParaRPr lang="pt-PT"/>
+            <a:endParaRPr lang="pt-PT" dirty="0"/>
           </a:p>
         </p:txBody>
       </p:sp>
@@ -2195,7 +2200,7 @@
               <a:rPr lang="pt-PT" smtClean="0"/>
               <a:t>10/09/2018</a:t>
             </a:fld>
-            <a:endParaRPr lang="pt-PT"/>
+            <a:endParaRPr lang="pt-PT" dirty="0"/>
           </a:p>
         </p:txBody>
       </p:sp>
@@ -2214,7 +2219,7 @@
           <a:bodyPr/>
           <a:lstStyle/>
           <a:p>
-            <a:endParaRPr lang="pt-PT"/>
+            <a:endParaRPr lang="pt-PT" dirty="0"/>
           </a:p>
         </p:txBody>
       </p:sp>
@@ -2235,9 +2240,9 @@
           <a:p>
             <a:fld id="{0A841FAE-D82D-4024-9798-6BF498F22684}" type="slidenum">
               <a:rPr lang="pt-PT" smtClean="0"/>
-              <a:t>‹nº›</a:t>
+              <a:t>‹#›</a:t>
             </a:fld>
-            <a:endParaRPr lang="pt-PT"/>
+            <a:endParaRPr lang="pt-PT" dirty="0"/>
           </a:p>
         </p:txBody>
       </p:sp>
@@ -2479,7 +2484,7 @@
               <a:rPr lang="pt-PT" smtClean="0"/>
               <a:t>10/09/2018</a:t>
             </a:fld>
-            <a:endParaRPr lang="pt-PT"/>
+            <a:endParaRPr lang="pt-PT" dirty="0"/>
           </a:p>
         </p:txBody>
       </p:sp>
@@ -2498,7 +2503,7 @@
           <a:bodyPr/>
           <a:lstStyle/>
           <a:p>
-            <a:endParaRPr lang="pt-PT"/>
+            <a:endParaRPr lang="pt-PT" dirty="0"/>
           </a:p>
         </p:txBody>
       </p:sp>
@@ -2519,9 +2524,9 @@
           <a:p>
             <a:fld id="{0A841FAE-D82D-4024-9798-6BF498F22684}" type="slidenum">
               <a:rPr lang="pt-PT" smtClean="0"/>
-              <a:t>‹nº›</a:t>
+              <a:t>‹#›</a:t>
             </a:fld>
-            <a:endParaRPr lang="pt-PT"/>
+            <a:endParaRPr lang="pt-PT" dirty="0"/>
           </a:p>
         </p:txBody>
       </p:sp>
@@ -2647,7 +2652,7 @@
           </a:lstStyle>
           <a:p>
             <a:r>
-              <a:rPr lang="pt-PT"/>
+              <a:rPr lang="pt-PT" dirty="0"/>
               <a:t>Clique no ícone para adicionar uma imagem</a:t>
             </a:r>
             <a:endParaRPr lang="en-US" dirty="0"/>
@@ -2743,7 +2748,7 @@
               <a:rPr lang="pt-PT" smtClean="0"/>
               <a:t>10/09/2018</a:t>
             </a:fld>
-            <a:endParaRPr lang="pt-PT"/>
+            <a:endParaRPr lang="pt-PT" dirty="0"/>
           </a:p>
         </p:txBody>
       </p:sp>
@@ -2762,7 +2767,7 @@
           <a:bodyPr/>
           <a:lstStyle/>
           <a:p>
-            <a:endParaRPr lang="pt-PT"/>
+            <a:endParaRPr lang="pt-PT" dirty="0"/>
           </a:p>
         </p:txBody>
       </p:sp>
@@ -2783,9 +2788,9 @@
           <a:p>
             <a:fld id="{0A841FAE-D82D-4024-9798-6BF498F22684}" type="slidenum">
               <a:rPr lang="pt-PT" smtClean="0"/>
-              <a:t>‹nº›</a:t>
+              <a:t>‹#›</a:t>
             </a:fld>
-            <a:endParaRPr lang="pt-PT"/>
+            <a:endParaRPr lang="pt-PT" dirty="0"/>
           </a:p>
         </p:txBody>
       </p:sp>
@@ -2957,7 +2962,7 @@
               <a:rPr lang="pt-PT" smtClean="0"/>
               <a:t>10/09/2018</a:t>
             </a:fld>
-            <a:endParaRPr lang="pt-PT"/>
+            <a:endParaRPr lang="pt-PT" dirty="0"/>
           </a:p>
         </p:txBody>
       </p:sp>
@@ -2995,7 +3000,7 @@
             </a:lvl1pPr>
           </a:lstStyle>
           <a:p>
-            <a:endParaRPr lang="pt-PT"/>
+            <a:endParaRPr lang="pt-PT" dirty="0"/>
           </a:p>
         </p:txBody>
       </p:sp>
@@ -3034,9 +3039,9 @@
           <a:p>
             <a:fld id="{0A841FAE-D82D-4024-9798-6BF498F22684}" type="slidenum">
               <a:rPr lang="pt-PT" smtClean="0"/>
-              <a:t>‹nº›</a:t>
+              <a:t>‹#›</a:t>
             </a:fld>
-            <a:endParaRPr lang="pt-PT"/>
+            <a:endParaRPr lang="pt-PT" dirty="0"/>
           </a:p>
         </p:txBody>
       </p:sp>
@@ -3861,10 +3866,2176 @@
           </a:p>
         </p:txBody>
       </p:sp>
+      <p:pic>
+        <p:nvPicPr>
+          <p:cNvPr id="2" name="Picture 1"/>
+          <p:cNvPicPr>
+            <a:picLocks noChangeAspect="1"/>
+          </p:cNvPicPr>
+          <p:nvPr/>
+        </p:nvPicPr>
+        <p:blipFill>
+          <a:blip r:embed="rId3">
+            <a:extLst>
+              <a:ext uri="{28A0092B-C50C-407E-A947-70E740481C1C}">
+                <a14:useLocalDpi xmlns:a14="http://schemas.microsoft.com/office/drawing/2010/main" val="0"/>
+              </a:ext>
+            </a:extLst>
+          </a:blip>
+          <a:stretch>
+            <a:fillRect/>
+          </a:stretch>
+        </p:blipFill>
+        <p:spPr>
+          <a:xfrm>
+            <a:off x="808891" y="1510644"/>
+            <a:ext cx="10744200" cy="1390829"/>
+          </a:xfrm>
+          <a:prstGeom prst="rect">
+            <a:avLst/>
+          </a:prstGeom>
+        </p:spPr>
+      </p:pic>
+      <p:sp>
+        <p:nvSpPr>
+          <p:cNvPr id="9" name="CaixaDeTexto 7">
+            <a:extLst>
+              <a:ext uri="{FF2B5EF4-FFF2-40B4-BE49-F238E27FC236}">
+                <a16:creationId xmlns:a16="http://schemas.microsoft.com/office/drawing/2014/main" id="{18BE4D7A-EDB0-4F0E-8A3F-3FBE1E77B25F}"/>
+              </a:ext>
+            </a:extLst>
+          </p:cNvPr>
+          <p:cNvSpPr txBox="1"/>
+          <p:nvPr/>
+        </p:nvSpPr>
+        <p:spPr>
+          <a:xfrm>
+            <a:off x="3073319" y="91449"/>
+            <a:ext cx="8974969" cy="461665"/>
+          </a:xfrm>
+          <a:prstGeom prst="rect">
+            <a:avLst/>
+          </a:prstGeom>
+        </p:spPr>
+        <p:style>
+          <a:lnRef idx="0">
+            <a:schemeClr val="accent4"/>
+          </a:lnRef>
+          <a:fillRef idx="3">
+            <a:schemeClr val="accent4"/>
+          </a:fillRef>
+          <a:effectRef idx="3">
+            <a:schemeClr val="accent4"/>
+          </a:effectRef>
+          <a:fontRef idx="minor">
+            <a:schemeClr val="lt1"/>
+          </a:fontRef>
+        </p:style>
+        <p:txBody>
+          <a:bodyPr wrap="square" rtlCol="0">
+            <a:spAutoFit/>
+          </a:bodyPr>
+          <a:lstStyle/>
+          <a:p>
+            <a:pPr algn="ctr"/>
+            <a:r>
+              <a:rPr lang="pt-PT" sz="2400" dirty="0" smtClean="0">
+                <a:solidFill>
+                  <a:schemeClr val="accent1">
+                    <a:lumMod val="50000"/>
+                  </a:schemeClr>
+                </a:solidFill>
+              </a:rPr>
+              <a:t>Overview </a:t>
+            </a:r>
+            <a:endParaRPr lang="pt-PT" sz="2400" dirty="0">
+              <a:solidFill>
+                <a:schemeClr val="accent1">
+                  <a:lumMod val="50000"/>
+                </a:schemeClr>
+              </a:solidFill>
+            </a:endParaRPr>
+          </a:p>
+        </p:txBody>
+      </p:sp>
+      <p:sp>
+        <p:nvSpPr>
+          <p:cNvPr id="10" name="CaixaDeTexto 6">
+            <a:extLst>
+              <a:ext uri="{FF2B5EF4-FFF2-40B4-BE49-F238E27FC236}">
+                <a16:creationId xmlns:a16="http://schemas.microsoft.com/office/drawing/2014/main" id="{8ED0A782-13C3-4B4B-B3A8-69DA23F1F64E}"/>
+              </a:ext>
+            </a:extLst>
+          </p:cNvPr>
+          <p:cNvSpPr txBox="1"/>
+          <p:nvPr/>
+        </p:nvSpPr>
+        <p:spPr>
+          <a:xfrm>
+            <a:off x="773723" y="3593017"/>
+            <a:ext cx="10744200" cy="1569660"/>
+          </a:xfrm>
+          <a:prstGeom prst="rect">
+            <a:avLst/>
+          </a:prstGeom>
+          <a:noFill/>
+        </p:spPr>
+        <p:txBody>
+          <a:bodyPr wrap="square" rtlCol="0">
+            <a:spAutoFit/>
+          </a:bodyPr>
+          <a:lstStyle/>
+          <a:p>
+            <a:r>
+              <a:rPr lang="en-US" sz="1600" dirty="0" smtClean="0">
+                <a:solidFill>
+                  <a:schemeClr val="accent1">
+                    <a:lumMod val="50000"/>
+                  </a:schemeClr>
+                </a:solidFill>
+              </a:rPr>
+              <a:t>O </a:t>
+            </a:r>
+            <a:r>
+              <a:rPr lang="pt-PT" sz="1600" dirty="0" smtClean="0">
+                <a:solidFill>
+                  <a:schemeClr val="accent1">
+                    <a:lumMod val="50000"/>
+                  </a:schemeClr>
+                </a:solidFill>
+              </a:rPr>
+              <a:t>projeto</a:t>
+            </a:r>
+            <a:r>
+              <a:rPr lang="en-US" sz="1600" dirty="0" smtClean="0">
+                <a:solidFill>
+                  <a:schemeClr val="accent1">
+                    <a:lumMod val="50000"/>
+                  </a:schemeClr>
+                </a:solidFill>
+              </a:rPr>
+              <a:t> SPAD do ponto de vista de project managing </a:t>
+            </a:r>
+            <a:r>
+              <a:rPr lang="pt-PT" sz="1600" dirty="0" smtClean="0">
+                <a:solidFill>
+                  <a:schemeClr val="accent1">
+                    <a:lumMod val="50000"/>
+                  </a:schemeClr>
+                </a:solidFill>
+              </a:rPr>
+              <a:t>foi</a:t>
+            </a:r>
+            <a:r>
+              <a:rPr lang="en-US" sz="1600" dirty="0" smtClean="0">
+                <a:solidFill>
+                  <a:schemeClr val="accent1">
+                    <a:lumMod val="50000"/>
+                  </a:schemeClr>
+                </a:solidFill>
+              </a:rPr>
+              <a:t> </a:t>
+            </a:r>
+            <a:r>
+              <a:rPr lang="pt-PT" sz="1600" dirty="0" smtClean="0">
+                <a:solidFill>
+                  <a:schemeClr val="accent1">
+                    <a:lumMod val="50000"/>
+                  </a:schemeClr>
+                </a:solidFill>
+              </a:rPr>
+              <a:t>dividido</a:t>
+            </a:r>
+            <a:r>
+              <a:rPr lang="en-US" sz="1600" dirty="0" smtClean="0">
+                <a:solidFill>
+                  <a:schemeClr val="accent1">
+                    <a:lumMod val="50000"/>
+                  </a:schemeClr>
+                </a:solidFill>
+              </a:rPr>
+              <a:t> </a:t>
+            </a:r>
+            <a:r>
+              <a:rPr lang="pt-PT" sz="1600" dirty="0" smtClean="0">
+                <a:solidFill>
+                  <a:schemeClr val="accent1">
+                    <a:lumMod val="50000"/>
+                  </a:schemeClr>
+                </a:solidFill>
+              </a:rPr>
+              <a:t>em</a:t>
+            </a:r>
+            <a:r>
+              <a:rPr lang="en-US" sz="1600" dirty="0" smtClean="0">
+                <a:solidFill>
+                  <a:schemeClr val="accent1">
+                    <a:lumMod val="50000"/>
+                  </a:schemeClr>
+                </a:solidFill>
+              </a:rPr>
+              <a:t> 4 “</a:t>
+            </a:r>
+            <a:r>
+              <a:rPr lang="pt-PT" sz="1600" dirty="0" smtClean="0">
+                <a:solidFill>
+                  <a:schemeClr val="accent1">
+                    <a:lumMod val="50000"/>
+                  </a:schemeClr>
+                </a:solidFill>
+              </a:rPr>
+              <a:t>sprints”. </a:t>
+            </a:r>
+          </a:p>
+          <a:p>
+            <a:endParaRPr lang="pt-PT" sz="1600" dirty="0">
+              <a:solidFill>
+                <a:schemeClr val="accent1">
+                  <a:lumMod val="50000"/>
+                </a:schemeClr>
+              </a:solidFill>
+            </a:endParaRPr>
+          </a:p>
+          <a:p>
+            <a:r>
+              <a:rPr lang="pt-PT" sz="1600" dirty="0" smtClean="0">
+                <a:solidFill>
+                  <a:schemeClr val="accent1">
+                    <a:lumMod val="50000"/>
+                  </a:schemeClr>
+                </a:solidFill>
+              </a:rPr>
+              <a:t>Adicionalmente foi criado o “separador” Project </a:t>
+            </a:r>
+            <a:r>
+              <a:rPr lang="en-US" sz="1600" dirty="0" smtClean="0">
+                <a:solidFill>
+                  <a:schemeClr val="accent1">
+                    <a:lumMod val="50000"/>
+                  </a:schemeClr>
+                </a:solidFill>
+              </a:rPr>
+              <a:t>Managing</a:t>
+            </a:r>
+            <a:r>
+              <a:rPr lang="pt-PT" sz="1600" dirty="0" smtClean="0">
+                <a:solidFill>
+                  <a:schemeClr val="accent1">
+                    <a:lumMod val="50000"/>
+                  </a:schemeClr>
+                </a:solidFill>
+              </a:rPr>
+              <a:t> que serve como referência para o </a:t>
+            </a:r>
+            <a:r>
+              <a:rPr lang="pt-PT" sz="1600" dirty="0">
+                <a:solidFill>
+                  <a:schemeClr val="accent1">
+                    <a:lumMod val="50000"/>
+                  </a:schemeClr>
+                </a:solidFill>
+              </a:rPr>
+              <a:t>P</a:t>
+            </a:r>
+            <a:r>
+              <a:rPr lang="pt-PT" sz="1600" dirty="0" smtClean="0">
+                <a:solidFill>
+                  <a:schemeClr val="accent1">
+                    <a:lumMod val="50000"/>
+                  </a:schemeClr>
+                </a:solidFill>
+              </a:rPr>
+              <a:t>roject Manager e a sua equipa.</a:t>
+            </a:r>
+            <a:endParaRPr lang="pt-PT" sz="1600" dirty="0">
+              <a:solidFill>
+                <a:schemeClr val="accent1">
+                  <a:lumMod val="50000"/>
+                </a:schemeClr>
+              </a:solidFill>
+            </a:endParaRPr>
+          </a:p>
+          <a:p>
+            <a:endParaRPr lang="pt-PT" sz="1600" dirty="0" smtClean="0">
+              <a:solidFill>
+                <a:schemeClr val="accent1">
+                  <a:lumMod val="50000"/>
+                </a:schemeClr>
+              </a:solidFill>
+            </a:endParaRPr>
+          </a:p>
+          <a:p>
+            <a:r>
+              <a:rPr lang="pt-PT" sz="1600" dirty="0" smtClean="0">
+                <a:solidFill>
+                  <a:schemeClr val="accent1">
+                    <a:lumMod val="50000"/>
+                  </a:schemeClr>
+                </a:solidFill>
+              </a:rPr>
+              <a:t>Como se pode constatar os sprints variam entre 10 e 35 dias, garantindo assim, que em nenhum dos sprints se estão a realizar tarefas de mais.</a:t>
+            </a:r>
+            <a:endParaRPr lang="pt-PT" sz="1600" dirty="0">
+              <a:solidFill>
+                <a:schemeClr val="accent1">
+                  <a:lumMod val="50000"/>
+                </a:schemeClr>
+              </a:solidFill>
+            </a:endParaRPr>
+          </a:p>
+        </p:txBody>
+      </p:sp>
     </p:spTree>
     <p:extLst>
       <p:ext uri="{BB962C8B-B14F-4D97-AF65-F5344CB8AC3E}">
         <p14:creationId xmlns:p14="http://schemas.microsoft.com/office/powerpoint/2010/main" val="3476572103"/>
+      </p:ext>
+    </p:extLst>
+  </p:cSld>
+  <p:clrMapOvr>
+    <a:masterClrMapping/>
+  </p:clrMapOvr>
+</p:sld>
+</file>
+
+<file path=ppt/slides/slide3.xml><?xml version="1.0" encoding="utf-8"?>
+<p:sld xmlns:a="http://schemas.openxmlformats.org/drawingml/2006/main" xmlns:r="http://schemas.openxmlformats.org/officeDocument/2006/relationships" xmlns:p="http://schemas.openxmlformats.org/presentationml/2006/main">
+  <p:cSld>
+    <p:spTree>
+      <p:nvGrpSpPr>
+        <p:cNvPr id="1" name=""/>
+        <p:cNvGrpSpPr/>
+        <p:nvPr/>
+      </p:nvGrpSpPr>
+      <p:grpSpPr>
+        <a:xfrm>
+          <a:off x="0" y="0"/>
+          <a:ext cx="0" cy="0"/>
+          <a:chOff x="0" y="0"/>
+          <a:chExt cx="0" cy="0"/>
+        </a:xfrm>
+      </p:grpSpPr>
+      <p:pic>
+        <p:nvPicPr>
+          <p:cNvPr id="5" name="Imagem 4">
+            <a:extLst>
+              <a:ext uri="{FF2B5EF4-FFF2-40B4-BE49-F238E27FC236}">
+                <a16:creationId xmlns:a16="http://schemas.microsoft.com/office/drawing/2014/main" id="{003B6523-7228-4E24-BF75-D68FF276CDDE}"/>
+              </a:ext>
+            </a:extLst>
+          </p:cNvPr>
+          <p:cNvPicPr>
+            <a:picLocks noChangeAspect="1"/>
+          </p:cNvPicPr>
+          <p:nvPr/>
+        </p:nvPicPr>
+        <p:blipFill>
+          <a:blip r:embed="rId2" cstate="hqprint">
+            <a:extLst>
+              <a:ext uri="{28A0092B-C50C-407E-A947-70E740481C1C}">
+                <a14:useLocalDpi xmlns:a14="http://schemas.microsoft.com/office/drawing/2010/main" val="0"/>
+              </a:ext>
+            </a:extLst>
+          </a:blip>
+          <a:stretch>
+            <a:fillRect/>
+          </a:stretch>
+        </p:blipFill>
+        <p:spPr>
+          <a:xfrm>
+            <a:off x="143711" y="117141"/>
+            <a:ext cx="2530772" cy="882369"/>
+          </a:xfrm>
+          <a:prstGeom prst="rect">
+            <a:avLst/>
+          </a:prstGeom>
+        </p:spPr>
+      </p:pic>
+      <p:sp>
+        <p:nvSpPr>
+          <p:cNvPr id="6" name="CaixaDeTexto 5">
+            <a:extLst>
+              <a:ext uri="{FF2B5EF4-FFF2-40B4-BE49-F238E27FC236}">
+                <a16:creationId xmlns:a16="http://schemas.microsoft.com/office/drawing/2014/main" id="{0D8912D2-B081-46A3-B4A0-334D4495E6F0}"/>
+              </a:ext>
+            </a:extLst>
+          </p:cNvPr>
+          <p:cNvSpPr txBox="1"/>
+          <p:nvPr/>
+        </p:nvSpPr>
+        <p:spPr>
+          <a:xfrm>
+            <a:off x="0" y="6457890"/>
+            <a:ext cx="4717638" cy="400110"/>
+          </a:xfrm>
+          <a:prstGeom prst="rect">
+            <a:avLst/>
+          </a:prstGeom>
+          <a:noFill/>
+        </p:spPr>
+        <p:txBody>
+          <a:bodyPr wrap="none" rtlCol="0">
+            <a:spAutoFit/>
+          </a:bodyPr>
+          <a:lstStyle/>
+          <a:p>
+            <a:r>
+              <a:rPr lang="en-US" sz="2000" dirty="0">
+                <a:solidFill>
+                  <a:schemeClr val="accent1">
+                    <a:lumMod val="50000"/>
+                  </a:schemeClr>
+                </a:solidFill>
+              </a:rPr>
+              <a:t>TPSIP_10.17 </a:t>
+            </a:r>
+            <a:r>
+              <a:rPr lang="en-US" sz="1400" dirty="0">
+                <a:solidFill>
+                  <a:schemeClr val="accent1">
+                    <a:lumMod val="50000"/>
+                  </a:schemeClr>
+                </a:solidFill>
+              </a:rPr>
+              <a:t>-</a:t>
+            </a:r>
+            <a:r>
+              <a:rPr lang="en-US" dirty="0">
+                <a:solidFill>
+                  <a:schemeClr val="accent1">
+                    <a:lumMod val="50000"/>
+                  </a:schemeClr>
+                </a:solidFill>
+              </a:rPr>
+              <a:t> </a:t>
+            </a:r>
+            <a:r>
+              <a:rPr lang="en-US" sz="1400" dirty="0">
+                <a:solidFill>
+                  <a:schemeClr val="accent1">
+                    <a:lumMod val="50000"/>
+                  </a:schemeClr>
+                </a:solidFill>
+              </a:rPr>
+              <a:t>Bruno Ferreira, João Santos e Luís Passeira</a:t>
+            </a:r>
+            <a:endParaRPr lang="pt-PT" sz="1400" dirty="0">
+              <a:solidFill>
+                <a:schemeClr val="accent1">
+                  <a:lumMod val="50000"/>
+                </a:schemeClr>
+              </a:solidFill>
+            </a:endParaRPr>
+          </a:p>
+        </p:txBody>
+      </p:sp>
+      <p:sp>
+        <p:nvSpPr>
+          <p:cNvPr id="7" name="CaixaDeTexto 6">
+            <a:extLst>
+              <a:ext uri="{FF2B5EF4-FFF2-40B4-BE49-F238E27FC236}">
+                <a16:creationId xmlns:a16="http://schemas.microsoft.com/office/drawing/2014/main" id="{8ED0A782-13C3-4B4B-B3A8-69DA23F1F64E}"/>
+              </a:ext>
+            </a:extLst>
+          </p:cNvPr>
+          <p:cNvSpPr txBox="1"/>
+          <p:nvPr/>
+        </p:nvSpPr>
+        <p:spPr>
+          <a:xfrm>
+            <a:off x="9090735" y="6457890"/>
+            <a:ext cx="3101266" cy="400110"/>
+          </a:xfrm>
+          <a:prstGeom prst="rect">
+            <a:avLst/>
+          </a:prstGeom>
+          <a:noFill/>
+        </p:spPr>
+        <p:txBody>
+          <a:bodyPr wrap="square" rtlCol="0">
+            <a:spAutoFit/>
+          </a:bodyPr>
+          <a:lstStyle/>
+          <a:p>
+            <a:r>
+              <a:rPr lang="en-US" sz="2000" dirty="0">
+                <a:solidFill>
+                  <a:schemeClr val="accent1">
+                    <a:lumMod val="50000"/>
+                  </a:schemeClr>
+                </a:solidFill>
+              </a:rPr>
+              <a:t>Projecto Final SPAD - GANTT</a:t>
+            </a:r>
+            <a:endParaRPr lang="pt-PT" sz="2000" dirty="0">
+              <a:solidFill>
+                <a:schemeClr val="accent1">
+                  <a:lumMod val="50000"/>
+                </a:schemeClr>
+              </a:solidFill>
+            </a:endParaRPr>
+          </a:p>
+        </p:txBody>
+      </p:sp>
+      <p:sp>
+        <p:nvSpPr>
+          <p:cNvPr id="9" name="CaixaDeTexto 7">
+            <a:extLst>
+              <a:ext uri="{FF2B5EF4-FFF2-40B4-BE49-F238E27FC236}">
+                <a16:creationId xmlns:a16="http://schemas.microsoft.com/office/drawing/2014/main" id="{18BE4D7A-EDB0-4F0E-8A3F-3FBE1E77B25F}"/>
+              </a:ext>
+            </a:extLst>
+          </p:cNvPr>
+          <p:cNvSpPr txBox="1"/>
+          <p:nvPr/>
+        </p:nvSpPr>
+        <p:spPr>
+          <a:xfrm>
+            <a:off x="3073319" y="91449"/>
+            <a:ext cx="8974969" cy="461665"/>
+          </a:xfrm>
+          <a:prstGeom prst="rect">
+            <a:avLst/>
+          </a:prstGeom>
+        </p:spPr>
+        <p:style>
+          <a:lnRef idx="0">
+            <a:schemeClr val="accent4"/>
+          </a:lnRef>
+          <a:fillRef idx="3">
+            <a:schemeClr val="accent4"/>
+          </a:fillRef>
+          <a:effectRef idx="3">
+            <a:schemeClr val="accent4"/>
+          </a:effectRef>
+          <a:fontRef idx="minor">
+            <a:schemeClr val="lt1"/>
+          </a:fontRef>
+        </p:style>
+        <p:txBody>
+          <a:bodyPr wrap="square" rtlCol="0">
+            <a:spAutoFit/>
+          </a:bodyPr>
+          <a:lstStyle/>
+          <a:p>
+            <a:pPr algn="ctr"/>
+            <a:r>
+              <a:rPr lang="pt-PT" sz="2400" dirty="0" smtClean="0">
+                <a:solidFill>
+                  <a:schemeClr val="accent1">
+                    <a:lumMod val="50000"/>
+                  </a:schemeClr>
+                </a:solidFill>
+              </a:rPr>
+              <a:t>Análise Sistemas </a:t>
+            </a:r>
+            <a:endParaRPr lang="pt-PT" sz="2400" dirty="0">
+              <a:solidFill>
+                <a:schemeClr val="accent1">
+                  <a:lumMod val="50000"/>
+                </a:schemeClr>
+              </a:solidFill>
+            </a:endParaRPr>
+          </a:p>
+        </p:txBody>
+      </p:sp>
+      <p:pic>
+        <p:nvPicPr>
+          <p:cNvPr id="3" name="Picture 2"/>
+          <p:cNvPicPr>
+            <a:picLocks noChangeAspect="1"/>
+          </p:cNvPicPr>
+          <p:nvPr/>
+        </p:nvPicPr>
+        <p:blipFill>
+          <a:blip r:embed="rId3">
+            <a:extLst>
+              <a:ext uri="{28A0092B-C50C-407E-A947-70E740481C1C}">
+                <a14:useLocalDpi xmlns:a14="http://schemas.microsoft.com/office/drawing/2010/main" val="0"/>
+              </a:ext>
+            </a:extLst>
+          </a:blip>
+          <a:stretch>
+            <a:fillRect/>
+          </a:stretch>
+        </p:blipFill>
+        <p:spPr>
+          <a:xfrm>
+            <a:off x="826477" y="1520492"/>
+            <a:ext cx="10744201" cy="2510496"/>
+          </a:xfrm>
+          <a:prstGeom prst="rect">
+            <a:avLst/>
+          </a:prstGeom>
+        </p:spPr>
+      </p:pic>
+    </p:spTree>
+    <p:extLst>
+      <p:ext uri="{BB962C8B-B14F-4D97-AF65-F5344CB8AC3E}">
+        <p14:creationId xmlns:p14="http://schemas.microsoft.com/office/powerpoint/2010/main" val="2030935863"/>
+      </p:ext>
+    </p:extLst>
+  </p:cSld>
+  <p:clrMapOvr>
+    <a:masterClrMapping/>
+  </p:clrMapOvr>
+</p:sld>
+</file>
+
+<file path=ppt/slides/slide4.xml><?xml version="1.0" encoding="utf-8"?>
+<p:sld xmlns:a="http://schemas.openxmlformats.org/drawingml/2006/main" xmlns:r="http://schemas.openxmlformats.org/officeDocument/2006/relationships" xmlns:p="http://schemas.openxmlformats.org/presentationml/2006/main">
+  <p:cSld>
+    <p:spTree>
+      <p:nvGrpSpPr>
+        <p:cNvPr id="1" name=""/>
+        <p:cNvGrpSpPr/>
+        <p:nvPr/>
+      </p:nvGrpSpPr>
+      <p:grpSpPr>
+        <a:xfrm>
+          <a:off x="0" y="0"/>
+          <a:ext cx="0" cy="0"/>
+          <a:chOff x="0" y="0"/>
+          <a:chExt cx="0" cy="0"/>
+        </a:xfrm>
+      </p:grpSpPr>
+      <p:pic>
+        <p:nvPicPr>
+          <p:cNvPr id="5" name="Imagem 4">
+            <a:extLst>
+              <a:ext uri="{FF2B5EF4-FFF2-40B4-BE49-F238E27FC236}">
+                <a16:creationId xmlns:a16="http://schemas.microsoft.com/office/drawing/2014/main" id="{003B6523-7228-4E24-BF75-D68FF276CDDE}"/>
+              </a:ext>
+            </a:extLst>
+          </p:cNvPr>
+          <p:cNvPicPr>
+            <a:picLocks noChangeAspect="1"/>
+          </p:cNvPicPr>
+          <p:nvPr/>
+        </p:nvPicPr>
+        <p:blipFill>
+          <a:blip r:embed="rId2" cstate="hqprint">
+            <a:extLst>
+              <a:ext uri="{28A0092B-C50C-407E-A947-70E740481C1C}">
+                <a14:useLocalDpi xmlns:a14="http://schemas.microsoft.com/office/drawing/2010/main" val="0"/>
+              </a:ext>
+            </a:extLst>
+          </a:blip>
+          <a:stretch>
+            <a:fillRect/>
+          </a:stretch>
+        </p:blipFill>
+        <p:spPr>
+          <a:xfrm>
+            <a:off x="143711" y="117141"/>
+            <a:ext cx="2530772" cy="882369"/>
+          </a:xfrm>
+          <a:prstGeom prst="rect">
+            <a:avLst/>
+          </a:prstGeom>
+        </p:spPr>
+      </p:pic>
+      <p:sp>
+        <p:nvSpPr>
+          <p:cNvPr id="6" name="CaixaDeTexto 5">
+            <a:extLst>
+              <a:ext uri="{FF2B5EF4-FFF2-40B4-BE49-F238E27FC236}">
+                <a16:creationId xmlns:a16="http://schemas.microsoft.com/office/drawing/2014/main" id="{0D8912D2-B081-46A3-B4A0-334D4495E6F0}"/>
+              </a:ext>
+            </a:extLst>
+          </p:cNvPr>
+          <p:cNvSpPr txBox="1"/>
+          <p:nvPr/>
+        </p:nvSpPr>
+        <p:spPr>
+          <a:xfrm>
+            <a:off x="0" y="6457890"/>
+            <a:ext cx="4717638" cy="400110"/>
+          </a:xfrm>
+          <a:prstGeom prst="rect">
+            <a:avLst/>
+          </a:prstGeom>
+          <a:noFill/>
+        </p:spPr>
+        <p:txBody>
+          <a:bodyPr wrap="none" rtlCol="0">
+            <a:spAutoFit/>
+          </a:bodyPr>
+          <a:lstStyle/>
+          <a:p>
+            <a:r>
+              <a:rPr lang="en-US" sz="2000" dirty="0">
+                <a:solidFill>
+                  <a:schemeClr val="accent1">
+                    <a:lumMod val="50000"/>
+                  </a:schemeClr>
+                </a:solidFill>
+              </a:rPr>
+              <a:t>TPSIP_10.17 </a:t>
+            </a:r>
+            <a:r>
+              <a:rPr lang="en-US" sz="1400" dirty="0">
+                <a:solidFill>
+                  <a:schemeClr val="accent1">
+                    <a:lumMod val="50000"/>
+                  </a:schemeClr>
+                </a:solidFill>
+              </a:rPr>
+              <a:t>-</a:t>
+            </a:r>
+            <a:r>
+              <a:rPr lang="en-US" dirty="0">
+                <a:solidFill>
+                  <a:schemeClr val="accent1">
+                    <a:lumMod val="50000"/>
+                  </a:schemeClr>
+                </a:solidFill>
+              </a:rPr>
+              <a:t> </a:t>
+            </a:r>
+            <a:r>
+              <a:rPr lang="en-US" sz="1400" dirty="0">
+                <a:solidFill>
+                  <a:schemeClr val="accent1">
+                    <a:lumMod val="50000"/>
+                  </a:schemeClr>
+                </a:solidFill>
+              </a:rPr>
+              <a:t>Bruno Ferreira, João Santos e Luís Passeira</a:t>
+            </a:r>
+            <a:endParaRPr lang="pt-PT" sz="1400" dirty="0">
+              <a:solidFill>
+                <a:schemeClr val="accent1">
+                  <a:lumMod val="50000"/>
+                </a:schemeClr>
+              </a:solidFill>
+            </a:endParaRPr>
+          </a:p>
+        </p:txBody>
+      </p:sp>
+      <p:sp>
+        <p:nvSpPr>
+          <p:cNvPr id="7" name="CaixaDeTexto 6">
+            <a:extLst>
+              <a:ext uri="{FF2B5EF4-FFF2-40B4-BE49-F238E27FC236}">
+                <a16:creationId xmlns:a16="http://schemas.microsoft.com/office/drawing/2014/main" id="{8ED0A782-13C3-4B4B-B3A8-69DA23F1F64E}"/>
+              </a:ext>
+            </a:extLst>
+          </p:cNvPr>
+          <p:cNvSpPr txBox="1"/>
+          <p:nvPr/>
+        </p:nvSpPr>
+        <p:spPr>
+          <a:xfrm>
+            <a:off x="9090735" y="6457890"/>
+            <a:ext cx="3101266" cy="400110"/>
+          </a:xfrm>
+          <a:prstGeom prst="rect">
+            <a:avLst/>
+          </a:prstGeom>
+          <a:noFill/>
+        </p:spPr>
+        <p:txBody>
+          <a:bodyPr wrap="square" rtlCol="0">
+            <a:spAutoFit/>
+          </a:bodyPr>
+          <a:lstStyle/>
+          <a:p>
+            <a:r>
+              <a:rPr lang="en-US" sz="2000" dirty="0">
+                <a:solidFill>
+                  <a:schemeClr val="accent1">
+                    <a:lumMod val="50000"/>
+                  </a:schemeClr>
+                </a:solidFill>
+              </a:rPr>
+              <a:t>Projecto Final SPAD - GANTT</a:t>
+            </a:r>
+            <a:endParaRPr lang="pt-PT" sz="2000" dirty="0">
+              <a:solidFill>
+                <a:schemeClr val="accent1">
+                  <a:lumMod val="50000"/>
+                </a:schemeClr>
+              </a:solidFill>
+            </a:endParaRPr>
+          </a:p>
+        </p:txBody>
+      </p:sp>
+      <p:sp>
+        <p:nvSpPr>
+          <p:cNvPr id="9" name="CaixaDeTexto 7">
+            <a:extLst>
+              <a:ext uri="{FF2B5EF4-FFF2-40B4-BE49-F238E27FC236}">
+                <a16:creationId xmlns:a16="http://schemas.microsoft.com/office/drawing/2014/main" id="{18BE4D7A-EDB0-4F0E-8A3F-3FBE1E77B25F}"/>
+              </a:ext>
+            </a:extLst>
+          </p:cNvPr>
+          <p:cNvSpPr txBox="1"/>
+          <p:nvPr/>
+        </p:nvSpPr>
+        <p:spPr>
+          <a:xfrm>
+            <a:off x="3073319" y="91449"/>
+            <a:ext cx="8974969" cy="461665"/>
+          </a:xfrm>
+          <a:prstGeom prst="rect">
+            <a:avLst/>
+          </a:prstGeom>
+        </p:spPr>
+        <p:style>
+          <a:lnRef idx="0">
+            <a:schemeClr val="accent4"/>
+          </a:lnRef>
+          <a:fillRef idx="3">
+            <a:schemeClr val="accent4"/>
+          </a:fillRef>
+          <a:effectRef idx="3">
+            <a:schemeClr val="accent4"/>
+          </a:effectRef>
+          <a:fontRef idx="minor">
+            <a:schemeClr val="lt1"/>
+          </a:fontRef>
+        </p:style>
+        <p:txBody>
+          <a:bodyPr wrap="square" rtlCol="0">
+            <a:spAutoFit/>
+          </a:bodyPr>
+          <a:lstStyle/>
+          <a:p>
+            <a:pPr algn="ctr"/>
+            <a:r>
+              <a:rPr lang="pt-PT" sz="2400" dirty="0" smtClean="0">
+                <a:solidFill>
+                  <a:schemeClr val="accent1">
+                    <a:lumMod val="50000"/>
+                  </a:schemeClr>
+                </a:solidFill>
+              </a:rPr>
+              <a:t>Business Logic</a:t>
+            </a:r>
+            <a:endParaRPr lang="pt-PT" sz="2400" dirty="0">
+              <a:solidFill>
+                <a:schemeClr val="accent1">
+                  <a:lumMod val="50000"/>
+                </a:schemeClr>
+              </a:solidFill>
+            </a:endParaRPr>
+          </a:p>
+        </p:txBody>
+      </p:sp>
+      <p:pic>
+        <p:nvPicPr>
+          <p:cNvPr id="2" name="Picture 1"/>
+          <p:cNvPicPr>
+            <a:picLocks noChangeAspect="1"/>
+          </p:cNvPicPr>
+          <p:nvPr/>
+        </p:nvPicPr>
+        <p:blipFill>
+          <a:blip r:embed="rId3">
+            <a:extLst>
+              <a:ext uri="{28A0092B-C50C-407E-A947-70E740481C1C}">
+                <a14:useLocalDpi xmlns:a14="http://schemas.microsoft.com/office/drawing/2010/main" val="0"/>
+              </a:ext>
+            </a:extLst>
+          </a:blip>
+          <a:stretch>
+            <a:fillRect/>
+          </a:stretch>
+        </p:blipFill>
+        <p:spPr>
+          <a:xfrm>
+            <a:off x="826474" y="1529918"/>
+            <a:ext cx="10744202" cy="2001960"/>
+          </a:xfrm>
+          <a:prstGeom prst="rect">
+            <a:avLst/>
+          </a:prstGeom>
+        </p:spPr>
+      </p:pic>
+      <p:sp>
+        <p:nvSpPr>
+          <p:cNvPr id="8" name="CaixaDeTexto 6">
+            <a:extLst>
+              <a:ext uri="{FF2B5EF4-FFF2-40B4-BE49-F238E27FC236}">
+                <a16:creationId xmlns:a16="http://schemas.microsoft.com/office/drawing/2014/main" id="{8ED0A782-13C3-4B4B-B3A8-69DA23F1F64E}"/>
+              </a:ext>
+            </a:extLst>
+          </p:cNvPr>
+          <p:cNvSpPr txBox="1"/>
+          <p:nvPr/>
+        </p:nvSpPr>
+        <p:spPr>
+          <a:xfrm>
+            <a:off x="773722" y="4156287"/>
+            <a:ext cx="10744202" cy="1077218"/>
+          </a:xfrm>
+          <a:prstGeom prst="rect">
+            <a:avLst/>
+          </a:prstGeom>
+          <a:noFill/>
+        </p:spPr>
+        <p:txBody>
+          <a:bodyPr wrap="square" rtlCol="0">
+            <a:spAutoFit/>
+          </a:bodyPr>
+          <a:lstStyle/>
+          <a:p>
+            <a:r>
+              <a:rPr lang="pt-PT" sz="1600" dirty="0" smtClean="0">
+                <a:solidFill>
+                  <a:schemeClr val="accent1">
+                    <a:lumMod val="50000"/>
+                  </a:schemeClr>
+                </a:solidFill>
+              </a:rPr>
+              <a:t>A Business Logic caracteriza-se essencialmente pelo acesso a dados.</a:t>
+            </a:r>
+          </a:p>
+          <a:p>
+            <a:endParaRPr lang="pt-PT" sz="1600" dirty="0">
+              <a:solidFill>
+                <a:schemeClr val="accent1">
+                  <a:lumMod val="50000"/>
+                </a:schemeClr>
+              </a:solidFill>
+            </a:endParaRPr>
+          </a:p>
+          <a:p>
+            <a:r>
+              <a:rPr lang="pt-PT" sz="1600" dirty="0" smtClean="0">
+                <a:solidFill>
+                  <a:schemeClr val="accent1">
+                    <a:lumMod val="50000"/>
+                  </a:schemeClr>
+                </a:solidFill>
+              </a:rPr>
+              <a:t>Expõe através da BLL e de Web Services formas de comunicar com a base de dados, bem como obter dados atualizados através da API Football-Data.org. </a:t>
+            </a:r>
+            <a:endParaRPr lang="pt-PT" sz="1600" dirty="0">
+              <a:solidFill>
+                <a:schemeClr val="accent1">
+                  <a:lumMod val="50000"/>
+                </a:schemeClr>
+              </a:solidFill>
+            </a:endParaRPr>
+          </a:p>
+        </p:txBody>
+      </p:sp>
+    </p:spTree>
+    <p:extLst>
+      <p:ext uri="{BB962C8B-B14F-4D97-AF65-F5344CB8AC3E}">
+        <p14:creationId xmlns:p14="http://schemas.microsoft.com/office/powerpoint/2010/main" val="4148930907"/>
+      </p:ext>
+    </p:extLst>
+  </p:cSld>
+  <p:clrMapOvr>
+    <a:masterClrMapping/>
+  </p:clrMapOvr>
+</p:sld>
+</file>
+
+<file path=ppt/slides/slide5.xml><?xml version="1.0" encoding="utf-8"?>
+<p:sld xmlns:a="http://schemas.openxmlformats.org/drawingml/2006/main" xmlns:r="http://schemas.openxmlformats.org/officeDocument/2006/relationships" xmlns:p="http://schemas.openxmlformats.org/presentationml/2006/main">
+  <p:cSld>
+    <p:spTree>
+      <p:nvGrpSpPr>
+        <p:cNvPr id="1" name=""/>
+        <p:cNvGrpSpPr/>
+        <p:nvPr/>
+      </p:nvGrpSpPr>
+      <p:grpSpPr>
+        <a:xfrm>
+          <a:off x="0" y="0"/>
+          <a:ext cx="0" cy="0"/>
+          <a:chOff x="0" y="0"/>
+          <a:chExt cx="0" cy="0"/>
+        </a:xfrm>
+      </p:grpSpPr>
+      <p:pic>
+        <p:nvPicPr>
+          <p:cNvPr id="5" name="Imagem 4">
+            <a:extLst>
+              <a:ext uri="{FF2B5EF4-FFF2-40B4-BE49-F238E27FC236}">
+                <a16:creationId xmlns:a16="http://schemas.microsoft.com/office/drawing/2014/main" id="{003B6523-7228-4E24-BF75-D68FF276CDDE}"/>
+              </a:ext>
+            </a:extLst>
+          </p:cNvPr>
+          <p:cNvPicPr>
+            <a:picLocks noChangeAspect="1"/>
+          </p:cNvPicPr>
+          <p:nvPr/>
+        </p:nvPicPr>
+        <p:blipFill>
+          <a:blip r:embed="rId2" cstate="hqprint">
+            <a:extLst>
+              <a:ext uri="{28A0092B-C50C-407E-A947-70E740481C1C}">
+                <a14:useLocalDpi xmlns:a14="http://schemas.microsoft.com/office/drawing/2010/main" val="0"/>
+              </a:ext>
+            </a:extLst>
+          </a:blip>
+          <a:stretch>
+            <a:fillRect/>
+          </a:stretch>
+        </p:blipFill>
+        <p:spPr>
+          <a:xfrm>
+            <a:off x="143711" y="117141"/>
+            <a:ext cx="2530772" cy="882369"/>
+          </a:xfrm>
+          <a:prstGeom prst="rect">
+            <a:avLst/>
+          </a:prstGeom>
+        </p:spPr>
+      </p:pic>
+      <p:sp>
+        <p:nvSpPr>
+          <p:cNvPr id="6" name="CaixaDeTexto 5">
+            <a:extLst>
+              <a:ext uri="{FF2B5EF4-FFF2-40B4-BE49-F238E27FC236}">
+                <a16:creationId xmlns:a16="http://schemas.microsoft.com/office/drawing/2014/main" id="{0D8912D2-B081-46A3-B4A0-334D4495E6F0}"/>
+              </a:ext>
+            </a:extLst>
+          </p:cNvPr>
+          <p:cNvSpPr txBox="1"/>
+          <p:nvPr/>
+        </p:nvSpPr>
+        <p:spPr>
+          <a:xfrm>
+            <a:off x="0" y="6457890"/>
+            <a:ext cx="4717638" cy="400110"/>
+          </a:xfrm>
+          <a:prstGeom prst="rect">
+            <a:avLst/>
+          </a:prstGeom>
+          <a:noFill/>
+        </p:spPr>
+        <p:txBody>
+          <a:bodyPr wrap="none" rtlCol="0">
+            <a:spAutoFit/>
+          </a:bodyPr>
+          <a:lstStyle/>
+          <a:p>
+            <a:r>
+              <a:rPr lang="en-US" sz="2000" dirty="0">
+                <a:solidFill>
+                  <a:schemeClr val="accent1">
+                    <a:lumMod val="50000"/>
+                  </a:schemeClr>
+                </a:solidFill>
+              </a:rPr>
+              <a:t>TPSIP_10.17 </a:t>
+            </a:r>
+            <a:r>
+              <a:rPr lang="en-US" sz="1400" dirty="0">
+                <a:solidFill>
+                  <a:schemeClr val="accent1">
+                    <a:lumMod val="50000"/>
+                  </a:schemeClr>
+                </a:solidFill>
+              </a:rPr>
+              <a:t>-</a:t>
+            </a:r>
+            <a:r>
+              <a:rPr lang="en-US" dirty="0">
+                <a:solidFill>
+                  <a:schemeClr val="accent1">
+                    <a:lumMod val="50000"/>
+                  </a:schemeClr>
+                </a:solidFill>
+              </a:rPr>
+              <a:t> </a:t>
+            </a:r>
+            <a:r>
+              <a:rPr lang="en-US" sz="1400" dirty="0">
+                <a:solidFill>
+                  <a:schemeClr val="accent1">
+                    <a:lumMod val="50000"/>
+                  </a:schemeClr>
+                </a:solidFill>
+              </a:rPr>
+              <a:t>Bruno Ferreira, João Santos e Luís Passeira</a:t>
+            </a:r>
+            <a:endParaRPr lang="pt-PT" sz="1400" dirty="0">
+              <a:solidFill>
+                <a:schemeClr val="accent1">
+                  <a:lumMod val="50000"/>
+                </a:schemeClr>
+              </a:solidFill>
+            </a:endParaRPr>
+          </a:p>
+        </p:txBody>
+      </p:sp>
+      <p:sp>
+        <p:nvSpPr>
+          <p:cNvPr id="7" name="CaixaDeTexto 6">
+            <a:extLst>
+              <a:ext uri="{FF2B5EF4-FFF2-40B4-BE49-F238E27FC236}">
+                <a16:creationId xmlns:a16="http://schemas.microsoft.com/office/drawing/2014/main" id="{8ED0A782-13C3-4B4B-B3A8-69DA23F1F64E}"/>
+              </a:ext>
+            </a:extLst>
+          </p:cNvPr>
+          <p:cNvSpPr txBox="1"/>
+          <p:nvPr/>
+        </p:nvSpPr>
+        <p:spPr>
+          <a:xfrm>
+            <a:off x="9090735" y="6457890"/>
+            <a:ext cx="3101266" cy="400110"/>
+          </a:xfrm>
+          <a:prstGeom prst="rect">
+            <a:avLst/>
+          </a:prstGeom>
+          <a:noFill/>
+        </p:spPr>
+        <p:txBody>
+          <a:bodyPr wrap="square" rtlCol="0">
+            <a:spAutoFit/>
+          </a:bodyPr>
+          <a:lstStyle/>
+          <a:p>
+            <a:r>
+              <a:rPr lang="en-US" sz="2000" dirty="0">
+                <a:solidFill>
+                  <a:schemeClr val="accent1">
+                    <a:lumMod val="50000"/>
+                  </a:schemeClr>
+                </a:solidFill>
+              </a:rPr>
+              <a:t>Projecto Final SPAD - GANTT</a:t>
+            </a:r>
+            <a:endParaRPr lang="pt-PT" sz="2000" dirty="0">
+              <a:solidFill>
+                <a:schemeClr val="accent1">
+                  <a:lumMod val="50000"/>
+                </a:schemeClr>
+              </a:solidFill>
+            </a:endParaRPr>
+          </a:p>
+        </p:txBody>
+      </p:sp>
+      <p:sp>
+        <p:nvSpPr>
+          <p:cNvPr id="9" name="CaixaDeTexto 7">
+            <a:extLst>
+              <a:ext uri="{FF2B5EF4-FFF2-40B4-BE49-F238E27FC236}">
+                <a16:creationId xmlns:a16="http://schemas.microsoft.com/office/drawing/2014/main" id="{18BE4D7A-EDB0-4F0E-8A3F-3FBE1E77B25F}"/>
+              </a:ext>
+            </a:extLst>
+          </p:cNvPr>
+          <p:cNvSpPr txBox="1"/>
+          <p:nvPr/>
+        </p:nvSpPr>
+        <p:spPr>
+          <a:xfrm>
+            <a:off x="3073319" y="91449"/>
+            <a:ext cx="8974969" cy="461665"/>
+          </a:xfrm>
+          <a:prstGeom prst="rect">
+            <a:avLst/>
+          </a:prstGeom>
+        </p:spPr>
+        <p:style>
+          <a:lnRef idx="0">
+            <a:schemeClr val="accent4"/>
+          </a:lnRef>
+          <a:fillRef idx="3">
+            <a:schemeClr val="accent4"/>
+          </a:fillRef>
+          <a:effectRef idx="3">
+            <a:schemeClr val="accent4"/>
+          </a:effectRef>
+          <a:fontRef idx="minor">
+            <a:schemeClr val="lt1"/>
+          </a:fontRef>
+        </p:style>
+        <p:txBody>
+          <a:bodyPr wrap="square" rtlCol="0">
+            <a:spAutoFit/>
+          </a:bodyPr>
+          <a:lstStyle/>
+          <a:p>
+            <a:pPr algn="ctr"/>
+            <a:r>
+              <a:rPr lang="pt-PT" sz="2400" dirty="0" smtClean="0">
+                <a:solidFill>
+                  <a:schemeClr val="accent1">
+                    <a:lumMod val="50000"/>
+                  </a:schemeClr>
+                </a:solidFill>
+              </a:rPr>
+              <a:t>Front Office</a:t>
+            </a:r>
+            <a:endParaRPr lang="pt-PT" sz="2400" dirty="0">
+              <a:solidFill>
+                <a:schemeClr val="accent1">
+                  <a:lumMod val="50000"/>
+                </a:schemeClr>
+              </a:solidFill>
+            </a:endParaRPr>
+          </a:p>
+        </p:txBody>
+      </p:sp>
+      <p:sp>
+        <p:nvSpPr>
+          <p:cNvPr id="8" name="CaixaDeTexto 6">
+            <a:extLst>
+              <a:ext uri="{FF2B5EF4-FFF2-40B4-BE49-F238E27FC236}">
+                <a16:creationId xmlns:a16="http://schemas.microsoft.com/office/drawing/2014/main" id="{8ED0A782-13C3-4B4B-B3A8-69DA23F1F64E}"/>
+              </a:ext>
+            </a:extLst>
+          </p:cNvPr>
+          <p:cNvSpPr txBox="1"/>
+          <p:nvPr/>
+        </p:nvSpPr>
+        <p:spPr>
+          <a:xfrm>
+            <a:off x="826474" y="3572117"/>
+            <a:ext cx="10744202" cy="2339102"/>
+          </a:xfrm>
+          <a:prstGeom prst="rect">
+            <a:avLst/>
+          </a:prstGeom>
+          <a:noFill/>
+        </p:spPr>
+        <p:txBody>
+          <a:bodyPr wrap="square" rtlCol="0">
+            <a:spAutoFit/>
+          </a:bodyPr>
+          <a:lstStyle/>
+          <a:p>
+            <a:r>
+              <a:rPr lang="pt-PT" sz="1600" dirty="0" smtClean="0">
+                <a:solidFill>
+                  <a:schemeClr val="accent1">
+                    <a:lumMod val="50000"/>
+                  </a:schemeClr>
+                </a:solidFill>
+              </a:rPr>
+              <a:t>Front Office é um projeto do tipo “Web App”, que irá permitir aos nossos potenciais utilizadores usufruírem das funcionalidades do Sistema de Prognósticos de Apostas Desportivas (SPAD).</a:t>
+            </a:r>
+            <a:endParaRPr lang="pt-PT" sz="1600" dirty="0">
+              <a:solidFill>
+                <a:schemeClr val="accent1">
+                  <a:lumMod val="50000"/>
+                </a:schemeClr>
+              </a:solidFill>
+            </a:endParaRPr>
+          </a:p>
+          <a:p>
+            <a:endParaRPr lang="pt-PT" sz="1600" dirty="0">
+              <a:solidFill>
+                <a:schemeClr val="accent1">
+                  <a:lumMod val="50000"/>
+                </a:schemeClr>
+              </a:solidFill>
+            </a:endParaRPr>
+          </a:p>
+          <a:p>
+            <a:pPr marL="342900" indent="-342900">
+              <a:buFontTx/>
+              <a:buChar char="-"/>
+            </a:pPr>
+            <a:r>
+              <a:rPr lang="pt-PT" sz="1600" dirty="0" smtClean="0">
+                <a:solidFill>
+                  <a:schemeClr val="accent1">
+                    <a:lumMod val="50000"/>
+                  </a:schemeClr>
+                </a:solidFill>
+              </a:rPr>
+              <a:t>Sistema Login / Edição de perfil.</a:t>
+            </a:r>
+          </a:p>
+          <a:p>
+            <a:pPr marL="342900" indent="-342900">
+              <a:buFontTx/>
+              <a:buChar char="-"/>
+            </a:pPr>
+            <a:r>
+              <a:rPr lang="pt-PT" sz="1600" dirty="0" smtClean="0">
+                <a:solidFill>
+                  <a:schemeClr val="accent1">
+                    <a:lumMod val="50000"/>
+                  </a:schemeClr>
+                </a:solidFill>
+              </a:rPr>
+              <a:t>Listagem de jogos de futebol por dia, com o prognóstico para o mercado (+2,5 golos).</a:t>
+            </a:r>
+          </a:p>
+          <a:p>
+            <a:pPr marL="342900" indent="-342900">
+              <a:buFontTx/>
+              <a:buChar char="-"/>
+            </a:pPr>
+            <a:r>
+              <a:rPr lang="pt-PT" sz="1600" dirty="0" smtClean="0">
+                <a:solidFill>
+                  <a:schemeClr val="accent1">
+                    <a:lumMod val="50000"/>
+                  </a:schemeClr>
+                </a:solidFill>
+              </a:rPr>
+              <a:t>Possibilidade de consulta ao nosso histórico, para utilizadores registados. </a:t>
+            </a:r>
+          </a:p>
+          <a:p>
+            <a:pPr marL="342900" indent="-342900">
+              <a:buFontTx/>
+              <a:buChar char="-"/>
+            </a:pPr>
+            <a:endParaRPr lang="pt-PT" sz="1600" dirty="0">
+              <a:solidFill>
+                <a:schemeClr val="accent1">
+                  <a:lumMod val="50000"/>
+                </a:schemeClr>
+              </a:solidFill>
+            </a:endParaRPr>
+          </a:p>
+          <a:p>
+            <a:r>
+              <a:rPr lang="pt-PT" sz="1600" dirty="0" smtClean="0">
+                <a:solidFill>
+                  <a:schemeClr val="accent1">
+                    <a:lumMod val="50000"/>
+                  </a:schemeClr>
+                </a:solidFill>
+              </a:rPr>
+              <a:t>Obviamente vai fazer grande uso dos vários métodos expostos pela BLL e WS. </a:t>
+            </a:r>
+          </a:p>
+          <a:p>
+            <a:pPr marL="342900" indent="-342900">
+              <a:buFontTx/>
+              <a:buChar char="-"/>
+            </a:pPr>
+            <a:endParaRPr lang="pt-PT" sz="1600" dirty="0" smtClean="0">
+              <a:solidFill>
+                <a:schemeClr val="accent1">
+                  <a:lumMod val="50000"/>
+                </a:schemeClr>
+              </a:solidFill>
+            </a:endParaRPr>
+          </a:p>
+        </p:txBody>
+      </p:sp>
+      <p:pic>
+        <p:nvPicPr>
+          <p:cNvPr id="3" name="Picture 2"/>
+          <p:cNvPicPr>
+            <a:picLocks noChangeAspect="1"/>
+          </p:cNvPicPr>
+          <p:nvPr/>
+        </p:nvPicPr>
+        <p:blipFill>
+          <a:blip r:embed="rId3">
+            <a:extLst>
+              <a:ext uri="{28A0092B-C50C-407E-A947-70E740481C1C}">
+                <a14:useLocalDpi xmlns:a14="http://schemas.microsoft.com/office/drawing/2010/main" val="0"/>
+              </a:ext>
+            </a:extLst>
+          </a:blip>
+          <a:stretch>
+            <a:fillRect/>
+          </a:stretch>
+        </p:blipFill>
+        <p:spPr>
+          <a:xfrm>
+            <a:off x="826474" y="1538710"/>
+            <a:ext cx="10744202" cy="1731599"/>
+          </a:xfrm>
+          <a:prstGeom prst="rect">
+            <a:avLst/>
+          </a:prstGeom>
+        </p:spPr>
+      </p:pic>
+    </p:spTree>
+    <p:extLst>
+      <p:ext uri="{BB962C8B-B14F-4D97-AF65-F5344CB8AC3E}">
+        <p14:creationId xmlns:p14="http://schemas.microsoft.com/office/powerpoint/2010/main" val="322729695"/>
+      </p:ext>
+    </p:extLst>
+  </p:cSld>
+  <p:clrMapOvr>
+    <a:masterClrMapping/>
+  </p:clrMapOvr>
+</p:sld>
+</file>
+
+<file path=ppt/slides/slide6.xml><?xml version="1.0" encoding="utf-8"?>
+<p:sld xmlns:a="http://schemas.openxmlformats.org/drawingml/2006/main" xmlns:r="http://schemas.openxmlformats.org/officeDocument/2006/relationships" xmlns:p="http://schemas.openxmlformats.org/presentationml/2006/main">
+  <p:cSld>
+    <p:spTree>
+      <p:nvGrpSpPr>
+        <p:cNvPr id="1" name=""/>
+        <p:cNvGrpSpPr/>
+        <p:nvPr/>
+      </p:nvGrpSpPr>
+      <p:grpSpPr>
+        <a:xfrm>
+          <a:off x="0" y="0"/>
+          <a:ext cx="0" cy="0"/>
+          <a:chOff x="0" y="0"/>
+          <a:chExt cx="0" cy="0"/>
+        </a:xfrm>
+      </p:grpSpPr>
+      <p:pic>
+        <p:nvPicPr>
+          <p:cNvPr id="5" name="Imagem 4">
+            <a:extLst>
+              <a:ext uri="{FF2B5EF4-FFF2-40B4-BE49-F238E27FC236}">
+                <a16:creationId xmlns:a16="http://schemas.microsoft.com/office/drawing/2014/main" id="{003B6523-7228-4E24-BF75-D68FF276CDDE}"/>
+              </a:ext>
+            </a:extLst>
+          </p:cNvPr>
+          <p:cNvPicPr>
+            <a:picLocks noChangeAspect="1"/>
+          </p:cNvPicPr>
+          <p:nvPr/>
+        </p:nvPicPr>
+        <p:blipFill>
+          <a:blip r:embed="rId2" cstate="hqprint">
+            <a:extLst>
+              <a:ext uri="{28A0092B-C50C-407E-A947-70E740481C1C}">
+                <a14:useLocalDpi xmlns:a14="http://schemas.microsoft.com/office/drawing/2010/main" val="0"/>
+              </a:ext>
+            </a:extLst>
+          </a:blip>
+          <a:stretch>
+            <a:fillRect/>
+          </a:stretch>
+        </p:blipFill>
+        <p:spPr>
+          <a:xfrm>
+            <a:off x="143711" y="117141"/>
+            <a:ext cx="2530772" cy="882369"/>
+          </a:xfrm>
+          <a:prstGeom prst="rect">
+            <a:avLst/>
+          </a:prstGeom>
+        </p:spPr>
+      </p:pic>
+      <p:sp>
+        <p:nvSpPr>
+          <p:cNvPr id="6" name="CaixaDeTexto 5">
+            <a:extLst>
+              <a:ext uri="{FF2B5EF4-FFF2-40B4-BE49-F238E27FC236}">
+                <a16:creationId xmlns:a16="http://schemas.microsoft.com/office/drawing/2014/main" id="{0D8912D2-B081-46A3-B4A0-334D4495E6F0}"/>
+              </a:ext>
+            </a:extLst>
+          </p:cNvPr>
+          <p:cNvSpPr txBox="1"/>
+          <p:nvPr/>
+        </p:nvSpPr>
+        <p:spPr>
+          <a:xfrm>
+            <a:off x="0" y="6457890"/>
+            <a:ext cx="4717638" cy="400110"/>
+          </a:xfrm>
+          <a:prstGeom prst="rect">
+            <a:avLst/>
+          </a:prstGeom>
+          <a:noFill/>
+        </p:spPr>
+        <p:txBody>
+          <a:bodyPr wrap="none" rtlCol="0">
+            <a:spAutoFit/>
+          </a:bodyPr>
+          <a:lstStyle/>
+          <a:p>
+            <a:r>
+              <a:rPr lang="en-US" sz="2000" dirty="0">
+                <a:solidFill>
+                  <a:schemeClr val="accent1">
+                    <a:lumMod val="50000"/>
+                  </a:schemeClr>
+                </a:solidFill>
+              </a:rPr>
+              <a:t>TPSIP_10.17 </a:t>
+            </a:r>
+            <a:r>
+              <a:rPr lang="en-US" sz="1400" dirty="0">
+                <a:solidFill>
+                  <a:schemeClr val="accent1">
+                    <a:lumMod val="50000"/>
+                  </a:schemeClr>
+                </a:solidFill>
+              </a:rPr>
+              <a:t>-</a:t>
+            </a:r>
+            <a:r>
+              <a:rPr lang="en-US" dirty="0">
+                <a:solidFill>
+                  <a:schemeClr val="accent1">
+                    <a:lumMod val="50000"/>
+                  </a:schemeClr>
+                </a:solidFill>
+              </a:rPr>
+              <a:t> </a:t>
+            </a:r>
+            <a:r>
+              <a:rPr lang="en-US" sz="1400" dirty="0">
+                <a:solidFill>
+                  <a:schemeClr val="accent1">
+                    <a:lumMod val="50000"/>
+                  </a:schemeClr>
+                </a:solidFill>
+              </a:rPr>
+              <a:t>Bruno Ferreira, João Santos e Luís Passeira</a:t>
+            </a:r>
+            <a:endParaRPr lang="pt-PT" sz="1400" dirty="0">
+              <a:solidFill>
+                <a:schemeClr val="accent1">
+                  <a:lumMod val="50000"/>
+                </a:schemeClr>
+              </a:solidFill>
+            </a:endParaRPr>
+          </a:p>
+        </p:txBody>
+      </p:sp>
+      <p:sp>
+        <p:nvSpPr>
+          <p:cNvPr id="7" name="CaixaDeTexto 6">
+            <a:extLst>
+              <a:ext uri="{FF2B5EF4-FFF2-40B4-BE49-F238E27FC236}">
+                <a16:creationId xmlns:a16="http://schemas.microsoft.com/office/drawing/2014/main" id="{8ED0A782-13C3-4B4B-B3A8-69DA23F1F64E}"/>
+              </a:ext>
+            </a:extLst>
+          </p:cNvPr>
+          <p:cNvSpPr txBox="1"/>
+          <p:nvPr/>
+        </p:nvSpPr>
+        <p:spPr>
+          <a:xfrm>
+            <a:off x="9090735" y="6457890"/>
+            <a:ext cx="3101266" cy="400110"/>
+          </a:xfrm>
+          <a:prstGeom prst="rect">
+            <a:avLst/>
+          </a:prstGeom>
+          <a:noFill/>
+        </p:spPr>
+        <p:txBody>
+          <a:bodyPr wrap="square" rtlCol="0">
+            <a:spAutoFit/>
+          </a:bodyPr>
+          <a:lstStyle/>
+          <a:p>
+            <a:r>
+              <a:rPr lang="en-US" sz="2000" dirty="0">
+                <a:solidFill>
+                  <a:schemeClr val="accent1">
+                    <a:lumMod val="50000"/>
+                  </a:schemeClr>
+                </a:solidFill>
+              </a:rPr>
+              <a:t>Projecto Final SPAD - GANTT</a:t>
+            </a:r>
+            <a:endParaRPr lang="pt-PT" sz="2000" dirty="0">
+              <a:solidFill>
+                <a:schemeClr val="accent1">
+                  <a:lumMod val="50000"/>
+                </a:schemeClr>
+              </a:solidFill>
+            </a:endParaRPr>
+          </a:p>
+        </p:txBody>
+      </p:sp>
+      <p:sp>
+        <p:nvSpPr>
+          <p:cNvPr id="9" name="CaixaDeTexto 7">
+            <a:extLst>
+              <a:ext uri="{FF2B5EF4-FFF2-40B4-BE49-F238E27FC236}">
+                <a16:creationId xmlns:a16="http://schemas.microsoft.com/office/drawing/2014/main" id="{18BE4D7A-EDB0-4F0E-8A3F-3FBE1E77B25F}"/>
+              </a:ext>
+            </a:extLst>
+          </p:cNvPr>
+          <p:cNvSpPr txBox="1"/>
+          <p:nvPr/>
+        </p:nvSpPr>
+        <p:spPr>
+          <a:xfrm>
+            <a:off x="3073319" y="91449"/>
+            <a:ext cx="8974969" cy="461665"/>
+          </a:xfrm>
+          <a:prstGeom prst="rect">
+            <a:avLst/>
+          </a:prstGeom>
+        </p:spPr>
+        <p:style>
+          <a:lnRef idx="0">
+            <a:schemeClr val="accent4"/>
+          </a:lnRef>
+          <a:fillRef idx="3">
+            <a:schemeClr val="accent4"/>
+          </a:fillRef>
+          <a:effectRef idx="3">
+            <a:schemeClr val="accent4"/>
+          </a:effectRef>
+          <a:fontRef idx="minor">
+            <a:schemeClr val="lt1"/>
+          </a:fontRef>
+        </p:style>
+        <p:txBody>
+          <a:bodyPr wrap="square" rtlCol="0">
+            <a:spAutoFit/>
+          </a:bodyPr>
+          <a:lstStyle/>
+          <a:p>
+            <a:pPr algn="ctr"/>
+            <a:r>
+              <a:rPr lang="pt-PT" sz="2400" dirty="0" smtClean="0">
+                <a:solidFill>
+                  <a:schemeClr val="accent1">
+                    <a:lumMod val="50000"/>
+                  </a:schemeClr>
+                </a:solidFill>
+              </a:rPr>
+              <a:t>Back Office</a:t>
+            </a:r>
+            <a:endParaRPr lang="pt-PT" sz="2400" dirty="0">
+              <a:solidFill>
+                <a:schemeClr val="accent1">
+                  <a:lumMod val="50000"/>
+                </a:schemeClr>
+              </a:solidFill>
+            </a:endParaRPr>
+          </a:p>
+        </p:txBody>
+      </p:sp>
+      <p:sp>
+        <p:nvSpPr>
+          <p:cNvPr id="8" name="CaixaDeTexto 6">
+            <a:extLst>
+              <a:ext uri="{FF2B5EF4-FFF2-40B4-BE49-F238E27FC236}">
+                <a16:creationId xmlns:a16="http://schemas.microsoft.com/office/drawing/2014/main" id="{8ED0A782-13C3-4B4B-B3A8-69DA23F1F64E}"/>
+              </a:ext>
+            </a:extLst>
+          </p:cNvPr>
+          <p:cNvSpPr txBox="1"/>
+          <p:nvPr/>
+        </p:nvSpPr>
+        <p:spPr>
+          <a:xfrm>
+            <a:off x="826474" y="3572117"/>
+            <a:ext cx="10744202" cy="2862322"/>
+          </a:xfrm>
+          <a:prstGeom prst="rect">
+            <a:avLst/>
+          </a:prstGeom>
+          <a:noFill/>
+        </p:spPr>
+        <p:txBody>
+          <a:bodyPr wrap="square" rtlCol="0">
+            <a:spAutoFit/>
+          </a:bodyPr>
+          <a:lstStyle/>
+          <a:p>
+            <a:r>
+              <a:rPr lang="pt-PT" sz="1600" dirty="0" smtClean="0">
+                <a:solidFill>
+                  <a:schemeClr val="accent1">
+                    <a:lumMod val="50000"/>
+                  </a:schemeClr>
+                </a:solidFill>
+              </a:rPr>
+              <a:t>Back Office é também um projeto do tipo “Web App”, que neste caso irá permitir aos administradores do SPAD realizar toda a gestão do sistema.</a:t>
+            </a:r>
+            <a:endParaRPr lang="pt-PT" sz="1600" dirty="0">
+              <a:solidFill>
+                <a:schemeClr val="accent1">
+                  <a:lumMod val="50000"/>
+                </a:schemeClr>
+              </a:solidFill>
+            </a:endParaRPr>
+          </a:p>
+          <a:p>
+            <a:endParaRPr lang="pt-PT" sz="1600" dirty="0">
+              <a:solidFill>
+                <a:schemeClr val="accent1">
+                  <a:lumMod val="50000"/>
+                </a:schemeClr>
+              </a:solidFill>
+            </a:endParaRPr>
+          </a:p>
+          <a:p>
+            <a:pPr marL="342900" indent="-342900">
+              <a:buFontTx/>
+              <a:buChar char="-"/>
+            </a:pPr>
+            <a:r>
+              <a:rPr lang="pt-PT" sz="1600" dirty="0" smtClean="0">
+                <a:solidFill>
+                  <a:schemeClr val="accent1">
+                    <a:lumMod val="50000"/>
+                  </a:schemeClr>
+                </a:solidFill>
+              </a:rPr>
+              <a:t>Sistema Login.</a:t>
+            </a:r>
+          </a:p>
+          <a:p>
+            <a:pPr marL="342900" indent="-342900">
+              <a:buFontTx/>
+              <a:buChar char="-"/>
+            </a:pPr>
+            <a:r>
+              <a:rPr lang="pt-PT" sz="1600" dirty="0" smtClean="0">
+                <a:solidFill>
+                  <a:schemeClr val="accent1">
+                    <a:lumMod val="50000"/>
+                  </a:schemeClr>
+                </a:solidFill>
+              </a:rPr>
+              <a:t>Gestão de </a:t>
+            </a:r>
+            <a:r>
+              <a:rPr lang="pt-PT" sz="1600" dirty="0" err="1" smtClean="0">
+                <a:solidFill>
+                  <a:schemeClr val="accent1">
+                    <a:lumMod val="50000"/>
+                  </a:schemeClr>
+                </a:solidFill>
+              </a:rPr>
+              <a:t>Users</a:t>
+            </a:r>
+            <a:r>
+              <a:rPr lang="pt-PT" sz="1600" dirty="0" smtClean="0">
+                <a:solidFill>
+                  <a:schemeClr val="accent1">
+                    <a:lumMod val="50000"/>
+                  </a:schemeClr>
+                </a:solidFill>
+              </a:rPr>
+              <a:t>.</a:t>
+            </a:r>
+          </a:p>
+          <a:p>
+            <a:pPr marL="342900" indent="-342900">
+              <a:buFontTx/>
+              <a:buChar char="-"/>
+            </a:pPr>
+            <a:r>
+              <a:rPr lang="pt-PT" sz="1600" dirty="0" smtClean="0">
+                <a:solidFill>
+                  <a:schemeClr val="accent1">
+                    <a:lumMod val="50000"/>
+                  </a:schemeClr>
+                </a:solidFill>
+              </a:rPr>
+              <a:t>Sincronização de dados.</a:t>
+            </a:r>
+          </a:p>
+          <a:p>
+            <a:pPr marL="342900" indent="-342900">
+              <a:buFontTx/>
+              <a:buChar char="-"/>
+            </a:pPr>
+            <a:r>
+              <a:rPr lang="pt-PT" sz="1600" dirty="0" smtClean="0">
+                <a:solidFill>
+                  <a:schemeClr val="accent1">
+                    <a:lumMod val="50000"/>
+                  </a:schemeClr>
+                </a:solidFill>
+              </a:rPr>
+              <a:t>Gestão de Newsletters.</a:t>
+            </a:r>
+          </a:p>
+          <a:p>
+            <a:pPr marL="342900" indent="-342900">
+              <a:buFontTx/>
+              <a:buChar char="-"/>
+            </a:pPr>
+            <a:r>
+              <a:rPr lang="pt-PT" sz="1600" dirty="0" smtClean="0">
+                <a:solidFill>
+                  <a:schemeClr val="accent1">
+                    <a:lumMod val="50000"/>
+                  </a:schemeClr>
+                </a:solidFill>
+              </a:rPr>
+              <a:t>Editor de Dados. </a:t>
+            </a:r>
+          </a:p>
+          <a:p>
+            <a:pPr marL="342900" indent="-342900">
+              <a:buFontTx/>
+              <a:buChar char="-"/>
+            </a:pPr>
+            <a:endParaRPr lang="pt-PT" sz="1600" dirty="0">
+              <a:solidFill>
+                <a:schemeClr val="accent1">
+                  <a:lumMod val="50000"/>
+                </a:schemeClr>
+              </a:solidFill>
+            </a:endParaRPr>
+          </a:p>
+          <a:p>
+            <a:r>
+              <a:rPr lang="pt-PT" sz="1600" dirty="0" smtClean="0">
+                <a:solidFill>
+                  <a:schemeClr val="accent1">
+                    <a:lumMod val="50000"/>
+                  </a:schemeClr>
+                </a:solidFill>
+              </a:rPr>
+              <a:t>Da mesma forma que o Front Office também o Back Office irá fazer grande uso dos vários métodos expostos pela BLL e WS. </a:t>
+            </a:r>
+          </a:p>
+          <a:p>
+            <a:pPr marL="342900" indent="-342900">
+              <a:buFontTx/>
+              <a:buChar char="-"/>
+            </a:pPr>
+            <a:endParaRPr lang="pt-PT" sz="2000" dirty="0" smtClean="0">
+              <a:solidFill>
+                <a:schemeClr val="accent1">
+                  <a:lumMod val="50000"/>
+                </a:schemeClr>
+              </a:solidFill>
+            </a:endParaRPr>
+          </a:p>
+        </p:txBody>
+      </p:sp>
+      <p:pic>
+        <p:nvPicPr>
+          <p:cNvPr id="2" name="Picture 1"/>
+          <p:cNvPicPr>
+            <a:picLocks noChangeAspect="1"/>
+          </p:cNvPicPr>
+          <p:nvPr/>
+        </p:nvPicPr>
+        <p:blipFill>
+          <a:blip r:embed="rId3">
+            <a:extLst>
+              <a:ext uri="{28A0092B-C50C-407E-A947-70E740481C1C}">
+                <a14:useLocalDpi xmlns:a14="http://schemas.microsoft.com/office/drawing/2010/main" val="0"/>
+              </a:ext>
+            </a:extLst>
+          </a:blip>
+          <a:stretch>
+            <a:fillRect/>
+          </a:stretch>
+        </p:blipFill>
+        <p:spPr>
+          <a:xfrm>
+            <a:off x="826474" y="1543736"/>
+            <a:ext cx="10744202" cy="1847468"/>
+          </a:xfrm>
+          <a:prstGeom prst="rect">
+            <a:avLst/>
+          </a:prstGeom>
+        </p:spPr>
+      </p:pic>
+    </p:spTree>
+    <p:extLst>
+      <p:ext uri="{BB962C8B-B14F-4D97-AF65-F5344CB8AC3E}">
+        <p14:creationId xmlns:p14="http://schemas.microsoft.com/office/powerpoint/2010/main" val="2516102680"/>
+      </p:ext>
+    </p:extLst>
+  </p:cSld>
+  <p:clrMapOvr>
+    <a:masterClrMapping/>
+  </p:clrMapOvr>
+</p:sld>
+</file>
+
+<file path=ppt/slides/slide7.xml><?xml version="1.0" encoding="utf-8"?>
+<p:sld xmlns:a="http://schemas.openxmlformats.org/drawingml/2006/main" xmlns:r="http://schemas.openxmlformats.org/officeDocument/2006/relationships" xmlns:p="http://schemas.openxmlformats.org/presentationml/2006/main">
+  <p:cSld>
+    <p:spTree>
+      <p:nvGrpSpPr>
+        <p:cNvPr id="1" name=""/>
+        <p:cNvGrpSpPr/>
+        <p:nvPr/>
+      </p:nvGrpSpPr>
+      <p:grpSpPr>
+        <a:xfrm>
+          <a:off x="0" y="0"/>
+          <a:ext cx="0" cy="0"/>
+          <a:chOff x="0" y="0"/>
+          <a:chExt cx="0" cy="0"/>
+        </a:xfrm>
+      </p:grpSpPr>
+      <p:pic>
+        <p:nvPicPr>
+          <p:cNvPr id="5" name="Imagem 4">
+            <a:extLst>
+              <a:ext uri="{FF2B5EF4-FFF2-40B4-BE49-F238E27FC236}">
+                <a16:creationId xmlns:a16="http://schemas.microsoft.com/office/drawing/2014/main" id="{003B6523-7228-4E24-BF75-D68FF276CDDE}"/>
+              </a:ext>
+            </a:extLst>
+          </p:cNvPr>
+          <p:cNvPicPr>
+            <a:picLocks noChangeAspect="1"/>
+          </p:cNvPicPr>
+          <p:nvPr/>
+        </p:nvPicPr>
+        <p:blipFill>
+          <a:blip r:embed="rId2" cstate="hqprint">
+            <a:extLst>
+              <a:ext uri="{28A0092B-C50C-407E-A947-70E740481C1C}">
+                <a14:useLocalDpi xmlns:a14="http://schemas.microsoft.com/office/drawing/2010/main" val="0"/>
+              </a:ext>
+            </a:extLst>
+          </a:blip>
+          <a:stretch>
+            <a:fillRect/>
+          </a:stretch>
+        </p:blipFill>
+        <p:spPr>
+          <a:xfrm>
+            <a:off x="143711" y="117141"/>
+            <a:ext cx="2530772" cy="882369"/>
+          </a:xfrm>
+          <a:prstGeom prst="rect">
+            <a:avLst/>
+          </a:prstGeom>
+        </p:spPr>
+      </p:pic>
+      <p:sp>
+        <p:nvSpPr>
+          <p:cNvPr id="6" name="CaixaDeTexto 5">
+            <a:extLst>
+              <a:ext uri="{FF2B5EF4-FFF2-40B4-BE49-F238E27FC236}">
+                <a16:creationId xmlns:a16="http://schemas.microsoft.com/office/drawing/2014/main" id="{0D8912D2-B081-46A3-B4A0-334D4495E6F0}"/>
+              </a:ext>
+            </a:extLst>
+          </p:cNvPr>
+          <p:cNvSpPr txBox="1"/>
+          <p:nvPr/>
+        </p:nvSpPr>
+        <p:spPr>
+          <a:xfrm>
+            <a:off x="0" y="6457890"/>
+            <a:ext cx="4717638" cy="400110"/>
+          </a:xfrm>
+          <a:prstGeom prst="rect">
+            <a:avLst/>
+          </a:prstGeom>
+          <a:noFill/>
+        </p:spPr>
+        <p:txBody>
+          <a:bodyPr wrap="none" rtlCol="0">
+            <a:spAutoFit/>
+          </a:bodyPr>
+          <a:lstStyle/>
+          <a:p>
+            <a:r>
+              <a:rPr lang="en-US" sz="2000" dirty="0">
+                <a:solidFill>
+                  <a:schemeClr val="accent1">
+                    <a:lumMod val="50000"/>
+                  </a:schemeClr>
+                </a:solidFill>
+              </a:rPr>
+              <a:t>TPSIP_10.17 </a:t>
+            </a:r>
+            <a:r>
+              <a:rPr lang="en-US" sz="1400" dirty="0">
+                <a:solidFill>
+                  <a:schemeClr val="accent1">
+                    <a:lumMod val="50000"/>
+                  </a:schemeClr>
+                </a:solidFill>
+              </a:rPr>
+              <a:t>-</a:t>
+            </a:r>
+            <a:r>
+              <a:rPr lang="en-US" dirty="0">
+                <a:solidFill>
+                  <a:schemeClr val="accent1">
+                    <a:lumMod val="50000"/>
+                  </a:schemeClr>
+                </a:solidFill>
+              </a:rPr>
+              <a:t> </a:t>
+            </a:r>
+            <a:r>
+              <a:rPr lang="en-US" sz="1400" dirty="0">
+                <a:solidFill>
+                  <a:schemeClr val="accent1">
+                    <a:lumMod val="50000"/>
+                  </a:schemeClr>
+                </a:solidFill>
+              </a:rPr>
+              <a:t>Bruno Ferreira, João Santos e Luís Passeira</a:t>
+            </a:r>
+            <a:endParaRPr lang="pt-PT" sz="1400" dirty="0">
+              <a:solidFill>
+                <a:schemeClr val="accent1">
+                  <a:lumMod val="50000"/>
+                </a:schemeClr>
+              </a:solidFill>
+            </a:endParaRPr>
+          </a:p>
+        </p:txBody>
+      </p:sp>
+      <p:sp>
+        <p:nvSpPr>
+          <p:cNvPr id="7" name="CaixaDeTexto 6">
+            <a:extLst>
+              <a:ext uri="{FF2B5EF4-FFF2-40B4-BE49-F238E27FC236}">
+                <a16:creationId xmlns:a16="http://schemas.microsoft.com/office/drawing/2014/main" id="{8ED0A782-13C3-4B4B-B3A8-69DA23F1F64E}"/>
+              </a:ext>
+            </a:extLst>
+          </p:cNvPr>
+          <p:cNvSpPr txBox="1"/>
+          <p:nvPr/>
+        </p:nvSpPr>
+        <p:spPr>
+          <a:xfrm>
+            <a:off x="9090735" y="6457890"/>
+            <a:ext cx="3101266" cy="400110"/>
+          </a:xfrm>
+          <a:prstGeom prst="rect">
+            <a:avLst/>
+          </a:prstGeom>
+          <a:noFill/>
+        </p:spPr>
+        <p:txBody>
+          <a:bodyPr wrap="square" rtlCol="0">
+            <a:spAutoFit/>
+          </a:bodyPr>
+          <a:lstStyle/>
+          <a:p>
+            <a:r>
+              <a:rPr lang="en-US" sz="2000" dirty="0">
+                <a:solidFill>
+                  <a:schemeClr val="accent1">
+                    <a:lumMod val="50000"/>
+                  </a:schemeClr>
+                </a:solidFill>
+              </a:rPr>
+              <a:t>Projecto Final SPAD - GANTT</a:t>
+            </a:r>
+            <a:endParaRPr lang="pt-PT" sz="2000" dirty="0">
+              <a:solidFill>
+                <a:schemeClr val="accent1">
+                  <a:lumMod val="50000"/>
+                </a:schemeClr>
+              </a:solidFill>
+            </a:endParaRPr>
+          </a:p>
+        </p:txBody>
+      </p:sp>
+      <p:sp>
+        <p:nvSpPr>
+          <p:cNvPr id="9" name="CaixaDeTexto 7">
+            <a:extLst>
+              <a:ext uri="{FF2B5EF4-FFF2-40B4-BE49-F238E27FC236}">
+                <a16:creationId xmlns:a16="http://schemas.microsoft.com/office/drawing/2014/main" id="{18BE4D7A-EDB0-4F0E-8A3F-3FBE1E77B25F}"/>
+              </a:ext>
+            </a:extLst>
+          </p:cNvPr>
+          <p:cNvSpPr txBox="1"/>
+          <p:nvPr/>
+        </p:nvSpPr>
+        <p:spPr>
+          <a:xfrm>
+            <a:off x="3073319" y="91449"/>
+            <a:ext cx="8974969" cy="461665"/>
+          </a:xfrm>
+          <a:prstGeom prst="rect">
+            <a:avLst/>
+          </a:prstGeom>
+        </p:spPr>
+        <p:style>
+          <a:lnRef idx="0">
+            <a:schemeClr val="accent4"/>
+          </a:lnRef>
+          <a:fillRef idx="3">
+            <a:schemeClr val="accent4"/>
+          </a:fillRef>
+          <a:effectRef idx="3">
+            <a:schemeClr val="accent4"/>
+          </a:effectRef>
+          <a:fontRef idx="minor">
+            <a:schemeClr val="lt1"/>
+          </a:fontRef>
+        </p:style>
+        <p:txBody>
+          <a:bodyPr wrap="square" rtlCol="0">
+            <a:spAutoFit/>
+          </a:bodyPr>
+          <a:lstStyle/>
+          <a:p>
+            <a:pPr algn="ctr"/>
+            <a:r>
+              <a:rPr lang="pt-PT" sz="2400" dirty="0" err="1" smtClean="0">
+                <a:solidFill>
+                  <a:schemeClr val="accent1">
+                    <a:lumMod val="50000"/>
+                  </a:schemeClr>
+                </a:solidFill>
+              </a:rPr>
+              <a:t>Gantt</a:t>
+            </a:r>
+            <a:r>
+              <a:rPr lang="pt-PT" sz="2400" dirty="0" smtClean="0">
+                <a:solidFill>
+                  <a:schemeClr val="accent1">
+                    <a:lumMod val="50000"/>
+                  </a:schemeClr>
+                </a:solidFill>
+              </a:rPr>
+              <a:t> </a:t>
+            </a:r>
+            <a:r>
+              <a:rPr lang="pt-PT" sz="2400" dirty="0" err="1" smtClean="0">
+                <a:solidFill>
+                  <a:schemeClr val="accent1">
+                    <a:lumMod val="50000"/>
+                  </a:schemeClr>
+                </a:solidFill>
+              </a:rPr>
+              <a:t>Chart</a:t>
+            </a:r>
+            <a:endParaRPr lang="pt-PT" sz="2400" dirty="0">
+              <a:solidFill>
+                <a:schemeClr val="accent1">
+                  <a:lumMod val="50000"/>
+                </a:schemeClr>
+              </a:solidFill>
+            </a:endParaRPr>
+          </a:p>
+        </p:txBody>
+      </p:sp>
+      <p:pic>
+        <p:nvPicPr>
+          <p:cNvPr id="4" name="Picture 3"/>
+          <p:cNvPicPr>
+            <a:picLocks noChangeAspect="1"/>
+          </p:cNvPicPr>
+          <p:nvPr/>
+        </p:nvPicPr>
+        <p:blipFill>
+          <a:blip r:embed="rId3" cstate="print">
+            <a:extLst>
+              <a:ext uri="{28A0092B-C50C-407E-A947-70E740481C1C}">
+                <a14:useLocalDpi xmlns:a14="http://schemas.microsoft.com/office/drawing/2010/main" val="0"/>
+              </a:ext>
+            </a:extLst>
+          </a:blip>
+          <a:stretch>
+            <a:fillRect/>
+          </a:stretch>
+        </p:blipFill>
+        <p:spPr>
+          <a:xfrm>
+            <a:off x="439614" y="1178169"/>
+            <a:ext cx="11271740" cy="5090746"/>
+          </a:xfrm>
+          <a:prstGeom prst="rect">
+            <a:avLst/>
+          </a:prstGeom>
+        </p:spPr>
+      </p:pic>
+    </p:spTree>
+    <p:extLst>
+      <p:ext uri="{BB962C8B-B14F-4D97-AF65-F5344CB8AC3E}">
+        <p14:creationId xmlns:p14="http://schemas.microsoft.com/office/powerpoint/2010/main" val="2252003315"/>
       </p:ext>
     </p:extLst>
   </p:cSld>
